--- a/Self-Driving Car Game.pptx
+++ b/Self-Driving Car Game.pptx
@@ -111,6 +111,11 @@
       </a:defRPr>
     </a:lvl9pPr>
   </p:defaultTextStyle>
+  <p:extLst>
+    <p:ext uri="{EFAFB233-063F-42B5-8137-9DF3F51BA10A}">
+      <p15:sldGuideLst xmlns:p15="http://schemas.microsoft.com/office/powerpoint/2012/main"/>
+    </p:ext>
+  </p:extLst>
 </p:presentation>
 </file>
 
@@ -263,7 +268,7 @@
           <a:p>
             <a:fld id="{037C67C0-0535-4AF7-AAA5-96F2F357C699}" type="datetimeFigureOut">
               <a:rPr lang="en-CA" smtClean="0"/>
-              <a:t>2024-02-03</a:t>
+              <a:t>2024-02-05</a:t>
             </a:fld>
             <a:endParaRPr lang="en-CA"/>
           </a:p>
@@ -463,7 +468,7 @@
           <a:p>
             <a:fld id="{037C67C0-0535-4AF7-AAA5-96F2F357C699}" type="datetimeFigureOut">
               <a:rPr lang="en-CA" smtClean="0"/>
-              <a:t>2024-02-03</a:t>
+              <a:t>2024-02-05</a:t>
             </a:fld>
             <a:endParaRPr lang="en-CA"/>
           </a:p>
@@ -673,7 +678,7 @@
           <a:p>
             <a:fld id="{037C67C0-0535-4AF7-AAA5-96F2F357C699}" type="datetimeFigureOut">
               <a:rPr lang="en-CA" smtClean="0"/>
-              <a:t>2024-02-03</a:t>
+              <a:t>2024-02-05</a:t>
             </a:fld>
             <a:endParaRPr lang="en-CA"/>
           </a:p>
@@ -873,7 +878,7 @@
           <a:p>
             <a:fld id="{037C67C0-0535-4AF7-AAA5-96F2F357C699}" type="datetimeFigureOut">
               <a:rPr lang="en-CA" smtClean="0"/>
-              <a:t>2024-02-03</a:t>
+              <a:t>2024-02-05</a:t>
             </a:fld>
             <a:endParaRPr lang="en-CA"/>
           </a:p>
@@ -1149,7 +1154,7 @@
           <a:p>
             <a:fld id="{037C67C0-0535-4AF7-AAA5-96F2F357C699}" type="datetimeFigureOut">
               <a:rPr lang="en-CA" smtClean="0"/>
-              <a:t>2024-02-03</a:t>
+              <a:t>2024-02-05</a:t>
             </a:fld>
             <a:endParaRPr lang="en-CA"/>
           </a:p>
@@ -1417,7 +1422,7 @@
           <a:p>
             <a:fld id="{037C67C0-0535-4AF7-AAA5-96F2F357C699}" type="datetimeFigureOut">
               <a:rPr lang="en-CA" smtClean="0"/>
-              <a:t>2024-02-03</a:t>
+              <a:t>2024-02-05</a:t>
             </a:fld>
             <a:endParaRPr lang="en-CA"/>
           </a:p>
@@ -1832,7 +1837,7 @@
           <a:p>
             <a:fld id="{037C67C0-0535-4AF7-AAA5-96F2F357C699}" type="datetimeFigureOut">
               <a:rPr lang="en-CA" smtClean="0"/>
-              <a:t>2024-02-03</a:t>
+              <a:t>2024-02-05</a:t>
             </a:fld>
             <a:endParaRPr lang="en-CA"/>
           </a:p>
@@ -1974,7 +1979,7 @@
           <a:p>
             <a:fld id="{037C67C0-0535-4AF7-AAA5-96F2F357C699}" type="datetimeFigureOut">
               <a:rPr lang="en-CA" smtClean="0"/>
-              <a:t>2024-02-03</a:t>
+              <a:t>2024-02-05</a:t>
             </a:fld>
             <a:endParaRPr lang="en-CA"/>
           </a:p>
@@ -2087,7 +2092,7 @@
           <a:p>
             <a:fld id="{037C67C0-0535-4AF7-AAA5-96F2F357C699}" type="datetimeFigureOut">
               <a:rPr lang="en-CA" smtClean="0"/>
-              <a:t>2024-02-03</a:t>
+              <a:t>2024-02-05</a:t>
             </a:fld>
             <a:endParaRPr lang="en-CA"/>
           </a:p>
@@ -2400,7 +2405,7 @@
           <a:p>
             <a:fld id="{037C67C0-0535-4AF7-AAA5-96F2F357C699}" type="datetimeFigureOut">
               <a:rPr lang="en-CA" smtClean="0"/>
-              <a:t>2024-02-03</a:t>
+              <a:t>2024-02-05</a:t>
             </a:fld>
             <a:endParaRPr lang="en-CA"/>
           </a:p>
@@ -2689,7 +2694,7 @@
           <a:p>
             <a:fld id="{037C67C0-0535-4AF7-AAA5-96F2F357C699}" type="datetimeFigureOut">
               <a:rPr lang="en-CA" smtClean="0"/>
-              <a:t>2024-02-03</a:t>
+              <a:t>2024-02-05</a:t>
             </a:fld>
             <a:endParaRPr lang="en-CA"/>
           </a:p>
@@ -2938,7 +2943,7 @@
           <a:p>
             <a:fld id="{037C67C0-0535-4AF7-AAA5-96F2F357C699}" type="datetimeFigureOut">
               <a:rPr lang="en-CA" smtClean="0"/>
-              <a:t>2024-02-03</a:t>
+              <a:t>2024-02-05</a:t>
             </a:fld>
             <a:endParaRPr lang="en-CA"/>
           </a:p>
@@ -3713,7 +3718,7 @@
           <p:nvPr>
             <p:extLst>
               <p:ext uri="{D42A27DB-BD31-4B8C-83A1-F6EECF244321}">
-                <p14:modId xmlns:p14="http://schemas.microsoft.com/office/powerpoint/2010/main" val="3829148055"/>
+                <p14:modId xmlns:p14="http://schemas.microsoft.com/office/powerpoint/2010/main" val="586170321"/>
               </p:ext>
             </p:extLst>
           </p:nvPr>
@@ -3756,7 +3761,13 @@
                       </a:r>
                     </a:p>
                   </a:txBody>
-                  <a:tcPr anchor="ctr"/>
+                  <a:tcPr anchor="ctr">
+                    <a:solidFill>
+                      <a:schemeClr val="accent6">
+                        <a:lumMod val="50000"/>
+                      </a:schemeClr>
+                    </a:solidFill>
+                  </a:tcPr>
                 </a:tc>
                 <a:tc>
                   <a:txBody>
@@ -3769,7 +3780,13 @@
                       </a:r>
                     </a:p>
                   </a:txBody>
-                  <a:tcPr anchor="ctr"/>
+                  <a:tcPr anchor="ctr">
+                    <a:solidFill>
+                      <a:schemeClr val="accent6">
+                        <a:lumMod val="50000"/>
+                      </a:schemeClr>
+                    </a:solidFill>
+                  </a:tcPr>
                 </a:tc>
                 <a:extLst>
                   <a:ext uri="{0D108BD9-81ED-4DB2-BD59-A6C34878D82A}">
@@ -3790,7 +3807,14 @@
                       </a:r>
                     </a:p>
                   </a:txBody>
-                  <a:tcPr anchor="ctr"/>
+                  <a:tcPr anchor="ctr">
+                    <a:solidFill>
+                      <a:schemeClr val="accent6">
+                        <a:lumMod val="40000"/>
+                        <a:lumOff val="60000"/>
+                      </a:schemeClr>
+                    </a:solidFill>
+                  </a:tcPr>
                 </a:tc>
                 <a:tc>
                   <a:txBody>
@@ -3803,7 +3827,14 @@
                       </a:r>
                     </a:p>
                   </a:txBody>
-                  <a:tcPr anchor="ctr"/>
+                  <a:tcPr anchor="ctr">
+                    <a:solidFill>
+                      <a:schemeClr val="accent6">
+                        <a:lumMod val="40000"/>
+                        <a:lumOff val="60000"/>
+                      </a:schemeClr>
+                    </a:solidFill>
+                  </a:tcPr>
                 </a:tc>
                 <a:extLst>
                   <a:ext uri="{0D108BD9-81ED-4DB2-BD59-A6C34878D82A}">
@@ -3858,7 +3889,14 @@
                       </a:r>
                     </a:p>
                   </a:txBody>
-                  <a:tcPr anchor="ctr"/>
+                  <a:tcPr anchor="ctr">
+                    <a:solidFill>
+                      <a:schemeClr val="accent6">
+                        <a:lumMod val="40000"/>
+                        <a:lumOff val="60000"/>
+                      </a:schemeClr>
+                    </a:solidFill>
+                  </a:tcPr>
                 </a:tc>
                 <a:tc>
                   <a:txBody>
@@ -3871,7 +3909,14 @@
                       </a:r>
                     </a:p>
                   </a:txBody>
-                  <a:tcPr anchor="ctr"/>
+                  <a:tcPr anchor="ctr">
+                    <a:solidFill>
+                      <a:schemeClr val="accent6">
+                        <a:lumMod val="40000"/>
+                        <a:lumOff val="60000"/>
+                      </a:schemeClr>
+                    </a:solidFill>
+                  </a:tcPr>
                 </a:tc>
                 <a:extLst>
                   <a:ext uri="{0D108BD9-81ED-4DB2-BD59-A6C34878D82A}">
@@ -3926,7 +3971,14 @@
                       </a:r>
                     </a:p>
                   </a:txBody>
-                  <a:tcPr anchor="ctr"/>
+                  <a:tcPr anchor="ctr">
+                    <a:solidFill>
+                      <a:schemeClr val="accent6">
+                        <a:lumMod val="40000"/>
+                        <a:lumOff val="60000"/>
+                      </a:schemeClr>
+                    </a:solidFill>
+                  </a:tcPr>
                 </a:tc>
                 <a:tc>
                   <a:txBody>
@@ -3939,7 +3991,14 @@
                       </a:r>
                     </a:p>
                   </a:txBody>
-                  <a:tcPr anchor="ctr"/>
+                  <a:tcPr anchor="ctr">
+                    <a:solidFill>
+                      <a:schemeClr val="accent6">
+                        <a:lumMod val="40000"/>
+                        <a:lumOff val="60000"/>
+                      </a:schemeClr>
+                    </a:solidFill>
+                  </a:tcPr>
                 </a:tc>
                 <a:extLst>
                   <a:ext uri="{0D108BD9-81ED-4DB2-BD59-A6C34878D82A}">
@@ -4848,7 +4907,7 @@
         </p:nvSpPr>
         <p:spPr>
           <a:xfrm>
-            <a:off x="571500" y="1971675"/>
+            <a:off x="571500" y="1281391"/>
             <a:ext cx="5524500" cy="2251065"/>
           </a:xfrm>
           <a:prstGeom prst="rect">
@@ -4915,7 +4974,7 @@
                   </a:schemeClr>
                 </a:solidFill>
               </a:rPr>
-              <a:t>Changes due to Weather Conditions</a:t>
+              <a:t>Changes due to Weather Conditions*</a:t>
             </a:r>
           </a:p>
           <a:p>
@@ -4934,7 +4993,7 @@
                   </a:schemeClr>
                 </a:solidFill>
               </a:rPr>
-              <a:t>Response to Speed Signs &amp; Sign Boards</a:t>
+              <a:t>Response to Speed Signs &amp; Sign Boards*</a:t>
             </a:r>
           </a:p>
         </p:txBody>
@@ -4953,7 +5012,7 @@
         </p:nvSpPr>
         <p:spPr>
           <a:xfrm>
-            <a:off x="6096000" y="1971675"/>
+            <a:off x="6096000" y="1281391"/>
             <a:ext cx="5524500" cy="1697068"/>
           </a:xfrm>
           <a:prstGeom prst="rect">
@@ -4982,7 +5041,7 @@
                   </a:schemeClr>
                 </a:solidFill>
               </a:rPr>
-              <a:t>Shortest Route to Fuel Station</a:t>
+              <a:t>Shortest Route to Fuel Station*</a:t>
             </a:r>
           </a:p>
           <a:p>
@@ -5001,7 +5060,7 @@
                   </a:schemeClr>
                 </a:solidFill>
               </a:rPr>
-              <a:t>Changes due to Low Tyre Air Pressure</a:t>
+              <a:t>Changes due to Low Tyre Air Pressure*</a:t>
             </a:r>
           </a:p>
           <a:p>
@@ -5054,7 +5113,7 @@
         </p:blipFill>
         <p:spPr bwMode="auto">
           <a:xfrm>
-            <a:off x="2262187" y="4557714"/>
+            <a:off x="2262187" y="3876399"/>
             <a:ext cx="2143125" cy="1653778"/>
           </a:xfrm>
           <a:prstGeom prst="rect">
@@ -5101,7 +5160,7 @@
         </p:blipFill>
         <p:spPr bwMode="auto">
           <a:xfrm>
-            <a:off x="6791325" y="4341366"/>
+            <a:off x="6791325" y="3660051"/>
             <a:ext cx="2324100" cy="2086474"/>
           </a:xfrm>
           <a:prstGeom prst="rect">
@@ -5119,6 +5178,48 @@
           </a:extLst>
         </p:spPr>
       </p:pic>
+      <p:sp>
+        <p:nvSpPr>
+          <p:cNvPr id="6" name="TextBox 5">
+            <a:extLst>
+              <a:ext uri="{FF2B5EF4-FFF2-40B4-BE49-F238E27FC236}">
+                <a16:creationId xmlns:a16="http://schemas.microsoft.com/office/drawing/2014/main" id="{3CB047CA-461C-F68F-A728-DF42E8A2CFA3}"/>
+              </a:ext>
+            </a:extLst>
+          </p:cNvPr>
+          <p:cNvSpPr txBox="1"/>
+          <p:nvPr/>
+        </p:nvSpPr>
+        <p:spPr>
+          <a:xfrm>
+            <a:off x="571500" y="6098921"/>
+            <a:ext cx="8821271" cy="369332"/>
+          </a:xfrm>
+          <a:prstGeom prst="rect">
+            <a:avLst/>
+          </a:prstGeom>
+          <a:noFill/>
+        </p:spPr>
+        <p:txBody>
+          <a:bodyPr wrap="square" rtlCol="0">
+            <a:spAutoFit/>
+          </a:bodyPr>
+          <a:lstStyle/>
+          <a:p>
+            <a:r>
+              <a:rPr lang="en-CA" sz="1800" dirty="0">
+                <a:solidFill>
+                  <a:schemeClr val="accent6">
+                    <a:lumMod val="50000"/>
+                  </a:schemeClr>
+                </a:solidFill>
+              </a:rPr>
+              <a:t>* Will be developed in case there is remaining time after other features are developed.</a:t>
+            </a:r>
+            <a:endParaRPr lang="en-CA" dirty="0"/>
+          </a:p>
+        </p:txBody>
+      </p:sp>
     </p:spTree>
     <p:extLst>
       <p:ext uri="{BB962C8B-B14F-4D97-AF65-F5344CB8AC3E}">
